--- a/IBM Data Science Capstone - Presentation.pptx
+++ b/IBM Data Science Capstone - Presentation.pptx
@@ -7217,7 +7217,7 @@
             </a:r>
             <a:r>
               <a:rPr lang="en-IN" sz="2000" dirty="0"/>
-              <a:t> (KNN): Accuracy score of </a:t>
+              <a:t> (KNN): Accuracy score of 0.57</a:t>
             </a:r>
             <a:endParaRPr lang="en-US" sz="2000" dirty="0">
               <a:solidFill>
@@ -7246,7 +7246,7 @@
                   <a:prstClr val="black"/>
                 </a:solidFill>
               </a:rPr>
-              <a:t>Decision Tree: Accuracy of </a:t>
+              <a:t>Decision Tree: Accuracy of 0.6</a:t>
             </a:r>
           </a:p>
           <a:p>
@@ -7270,7 +7270,7 @@
                   <a:prstClr val="black"/>
                 </a:solidFill>
               </a:rPr>
-              <a:t>Support Vector Machine: Accuracy of </a:t>
+              <a:t>Support Vector Machine: Accuracy of 0.6</a:t>
             </a:r>
           </a:p>
           <a:p>
@@ -7294,7 +7294,15 @@
                   <a:prstClr val="black"/>
                 </a:solidFill>
               </a:rPr>
-              <a:t>Logistic Regression: Accuracy of </a:t>
+              <a:t>Logistic Regression: Accuracy </a:t>
+            </a:r>
+            <a:r>
+              <a:rPr lang="en-US" sz="2000">
+                <a:solidFill>
+                  <a:prstClr val="black"/>
+                </a:solidFill>
+              </a:rPr>
+              <a:t>of 0.6</a:t>
             </a:r>
             <a:endParaRPr lang="en-IN" sz="2000" dirty="0"/>
           </a:p>
@@ -7866,12 +7874,12 @@
 </file>
 
 <file path=customXml/item1.xml><?xml version="1.0" encoding="utf-8"?>
-<p:properties xmlns:p="http://schemas.microsoft.com/office/2006/metadata/properties" xmlns:xsi="http://www.w3.org/2001/XMLSchema-instance" xmlns:pc="http://schemas.microsoft.com/office/infopath/2007/PartnerControls">
-  <documentManagement>
-    <Status xmlns="71af3243-3dd4-4a8d-8c0d-dd76da1f02a5">Not started</Status>
-    <MediaServiceKeyPoints xmlns="71af3243-3dd4-4a8d-8c0d-dd76da1f02a5" xsi:nil="true"/>
-  </documentManagement>
-</p:properties>
+<?mso-contentType ?>
+<FormTemplates xmlns="http://schemas.microsoft.com/sharepoint/v3/contenttype/forms">
+  <Display>DocumentLibraryForm</Display>
+  <Edit>DocumentLibraryForm</Edit>
+  <New>DocumentLibraryForm</New>
+</FormTemplates>
 </file>
 
 <file path=customXml/item2.xml><?xml version="1.0" encoding="utf-8"?>
@@ -8096,20 +8104,18 @@
 </file>
 
 <file path=customXml/item3.xml><?xml version="1.0" encoding="utf-8"?>
-<?mso-contentType ?>
-<FormTemplates xmlns="http://schemas.microsoft.com/sharepoint/v3/contenttype/forms">
-  <Display>DocumentLibraryForm</Display>
-  <Edit>DocumentLibraryForm</Edit>
-  <New>DocumentLibraryForm</New>
-</FormTemplates>
+<p:properties xmlns:p="http://schemas.microsoft.com/office/2006/metadata/properties" xmlns:xsi="http://www.w3.org/2001/XMLSchema-instance" xmlns:pc="http://schemas.microsoft.com/office/infopath/2007/PartnerControls">
+  <documentManagement>
+    <Status xmlns="71af3243-3dd4-4a8d-8c0d-dd76da1f02a5">Not started</Status>
+    <MediaServiceKeyPoints xmlns="71af3243-3dd4-4a8d-8c0d-dd76da1f02a5" xsi:nil="true"/>
+  </documentManagement>
+</p:properties>
 </file>
 
 <file path=customXml/itemProps1.xml><?xml version="1.0" encoding="utf-8"?>
-<ds:datastoreItem xmlns:ds="http://schemas.openxmlformats.org/officeDocument/2006/customXml" ds:itemID="{FB90717D-CB20-4004-8DD0-01756D9D039A}">
+<ds:datastoreItem xmlns:ds="http://schemas.openxmlformats.org/officeDocument/2006/customXml" ds:itemID="{18A56FF6-92BD-46DE-9059-01B9F08E8880}">
   <ds:schemaRefs>
-    <ds:schemaRef ds:uri="http://schemas.microsoft.com/office/2006/metadata/properties"/>
-    <ds:schemaRef ds:uri="http://schemas.microsoft.com/office/infopath/2007/PartnerControls"/>
-    <ds:schemaRef ds:uri="71af3243-3dd4-4a8d-8c0d-dd76da1f02a5"/>
+    <ds:schemaRef ds:uri="http://schemas.microsoft.com/sharepoint/v3/contenttype/forms"/>
   </ds:schemaRefs>
 </ds:datastoreItem>
 </file>
@@ -8134,9 +8140,11 @@
 </file>
 
 <file path=customXml/itemProps3.xml><?xml version="1.0" encoding="utf-8"?>
-<ds:datastoreItem xmlns:ds="http://schemas.openxmlformats.org/officeDocument/2006/customXml" ds:itemID="{18A56FF6-92BD-46DE-9059-01B9F08E8880}">
+<ds:datastoreItem xmlns:ds="http://schemas.openxmlformats.org/officeDocument/2006/customXml" ds:itemID="{FB90717D-CB20-4004-8DD0-01756D9D039A}">
   <ds:schemaRefs>
-    <ds:schemaRef ds:uri="http://schemas.microsoft.com/sharepoint/v3/contenttype/forms"/>
+    <ds:schemaRef ds:uri="http://schemas.microsoft.com/office/2006/metadata/properties"/>
+    <ds:schemaRef ds:uri="http://schemas.microsoft.com/office/infopath/2007/PartnerControls"/>
+    <ds:schemaRef ds:uri="71af3243-3dd4-4a8d-8c0d-dd76da1f02a5"/>
   </ds:schemaRefs>
 </ds:datastoreItem>
 </file>